--- a/docs/askkit2.pptx
+++ b/docs/askkit2.pptx
@@ -9841,7 +9841,7 @@
           <a:p>
             <a:fld id="{454B4231-9B2E-4689-8C2D-3D64019BFF03}" type="datetimeFigureOut">
               <a:rPr lang="pt-PT" smtClean="0"/>
-              <a:t>03/12/2019</a:t>
+              <a:t>04/12/2019</a:t>
             </a:fld>
             <a:endParaRPr lang="pt-PT"/>
           </a:p>
@@ -11335,7 +11335,7 @@
           <a:p>
             <a:fld id="{BB0E55E4-FF41-4EEB-857A-6ED74A2E8524}" type="datetimeFigureOut">
               <a:rPr lang="pt-PT" smtClean="0"/>
-              <a:t>03/12/2019</a:t>
+              <a:t>04/12/2019</a:t>
             </a:fld>
             <a:endParaRPr lang="pt-PT"/>
           </a:p>
@@ -11650,7 +11650,7 @@
           <a:p>
             <a:fld id="{BB0E55E4-FF41-4EEB-857A-6ED74A2E8524}" type="datetimeFigureOut">
               <a:rPr lang="pt-PT" smtClean="0"/>
-              <a:t>03/12/2019</a:t>
+              <a:t>04/12/2019</a:t>
             </a:fld>
             <a:endParaRPr lang="pt-PT"/>
           </a:p>
@@ -11872,7 +11872,7 @@
           <a:p>
             <a:fld id="{BB0E55E4-FF41-4EEB-857A-6ED74A2E8524}" type="datetimeFigureOut">
               <a:rPr lang="pt-PT" smtClean="0"/>
-              <a:t>03/12/2019</a:t>
+              <a:t>04/12/2019</a:t>
             </a:fld>
             <a:endParaRPr lang="pt-PT"/>
           </a:p>
@@ -12163,7 +12163,7 @@
           <a:p>
             <a:fld id="{BB0E55E4-FF41-4EEB-857A-6ED74A2E8524}" type="datetimeFigureOut">
               <a:rPr lang="pt-PT" smtClean="0"/>
-              <a:t>03/12/2019</a:t>
+              <a:t>04/12/2019</a:t>
             </a:fld>
             <a:endParaRPr lang="pt-PT"/>
           </a:p>
@@ -12617,7 +12617,7 @@
           <a:p>
             <a:fld id="{BB0E55E4-FF41-4EEB-857A-6ED74A2E8524}" type="datetimeFigureOut">
               <a:rPr lang="pt-PT" smtClean="0"/>
-              <a:t>03/12/2019</a:t>
+              <a:t>04/12/2019</a:t>
             </a:fld>
             <a:endParaRPr lang="pt-PT"/>
           </a:p>
@@ -13193,7 +13193,7 @@
           <a:p>
             <a:fld id="{BB0E55E4-FF41-4EEB-857A-6ED74A2E8524}" type="datetimeFigureOut">
               <a:rPr lang="pt-PT" smtClean="0"/>
-              <a:t>03/12/2019</a:t>
+              <a:t>04/12/2019</a:t>
             </a:fld>
             <a:endParaRPr lang="pt-PT"/>
           </a:p>
@@ -14045,7 +14045,7 @@
           <a:p>
             <a:fld id="{BB0E55E4-FF41-4EEB-857A-6ED74A2E8524}" type="datetimeFigureOut">
               <a:rPr lang="pt-PT" smtClean="0"/>
-              <a:t>03/12/2019</a:t>
+              <a:t>04/12/2019</a:t>
             </a:fld>
             <a:endParaRPr lang="pt-PT"/>
           </a:p>
@@ -14250,7 +14250,7 @@
           <a:p>
             <a:fld id="{BB0E55E4-FF41-4EEB-857A-6ED74A2E8524}" type="datetimeFigureOut">
               <a:rPr lang="pt-PT" smtClean="0"/>
-              <a:t>03/12/2019</a:t>
+              <a:t>04/12/2019</a:t>
             </a:fld>
             <a:endParaRPr lang="pt-PT"/>
           </a:p>
@@ -14464,7 +14464,7 @@
           <a:p>
             <a:fld id="{BB0E55E4-FF41-4EEB-857A-6ED74A2E8524}" type="datetimeFigureOut">
               <a:rPr lang="pt-PT" smtClean="0"/>
-              <a:t>03/12/2019</a:t>
+              <a:t>04/12/2019</a:t>
             </a:fld>
             <a:endParaRPr lang="pt-PT"/>
           </a:p>
@@ -14634,7 +14634,7 @@
           <a:p>
             <a:fld id="{BB0E55E4-FF41-4EEB-857A-6ED74A2E8524}" type="datetimeFigureOut">
               <a:rPr lang="pt-PT" smtClean="0"/>
-              <a:t>03/12/2019</a:t>
+              <a:t>04/12/2019</a:t>
             </a:fld>
             <a:endParaRPr lang="pt-PT"/>
           </a:p>
@@ -14842,7 +14842,7 @@
           <a:p>
             <a:fld id="{BB0E55E4-FF41-4EEB-857A-6ED74A2E8524}" type="datetimeFigureOut">
               <a:rPr lang="pt-PT" smtClean="0"/>
-              <a:t>03/12/2019</a:t>
+              <a:t>04/12/2019</a:t>
             </a:fld>
             <a:endParaRPr lang="pt-PT"/>
           </a:p>
@@ -15122,7 +15122,7 @@
           <a:p>
             <a:fld id="{BB0E55E4-FF41-4EEB-857A-6ED74A2E8524}" type="datetimeFigureOut">
               <a:rPr lang="pt-PT" smtClean="0"/>
-              <a:t>03/12/2019</a:t>
+              <a:t>04/12/2019</a:t>
             </a:fld>
             <a:endParaRPr lang="pt-PT"/>
           </a:p>
@@ -15392,7 +15392,7 @@
           <a:p>
             <a:fld id="{BB0E55E4-FF41-4EEB-857A-6ED74A2E8524}" type="datetimeFigureOut">
               <a:rPr lang="pt-PT" smtClean="0"/>
-              <a:t>03/12/2019</a:t>
+              <a:t>04/12/2019</a:t>
             </a:fld>
             <a:endParaRPr lang="pt-PT"/>
           </a:p>
@@ -15807,7 +15807,7 @@
           <a:p>
             <a:fld id="{BB0E55E4-FF41-4EEB-857A-6ED74A2E8524}" type="datetimeFigureOut">
               <a:rPr lang="pt-PT" smtClean="0"/>
-              <a:t>03/12/2019</a:t>
+              <a:t>04/12/2019</a:t>
             </a:fld>
             <a:endParaRPr lang="pt-PT"/>
           </a:p>
@@ -15955,7 +15955,7 @@
           <a:p>
             <a:fld id="{BB0E55E4-FF41-4EEB-857A-6ED74A2E8524}" type="datetimeFigureOut">
               <a:rPr lang="pt-PT" smtClean="0"/>
-              <a:t>03/12/2019</a:t>
+              <a:t>04/12/2019</a:t>
             </a:fld>
             <a:endParaRPr lang="pt-PT"/>
           </a:p>
@@ -16083,7 +16083,7 @@
           <a:p>
             <a:fld id="{BB0E55E4-FF41-4EEB-857A-6ED74A2E8524}" type="datetimeFigureOut">
               <a:rPr lang="pt-PT" smtClean="0"/>
-              <a:t>03/12/2019</a:t>
+              <a:t>04/12/2019</a:t>
             </a:fld>
             <a:endParaRPr lang="pt-PT"/>
           </a:p>
@@ -16365,7 +16365,7 @@
           <a:p>
             <a:fld id="{BB0E55E4-FF41-4EEB-857A-6ED74A2E8524}" type="datetimeFigureOut">
               <a:rPr lang="pt-PT" smtClean="0"/>
-              <a:t>03/12/2019</a:t>
+              <a:t>04/12/2019</a:t>
             </a:fld>
             <a:endParaRPr lang="pt-PT"/>
           </a:p>
@@ -16677,7 +16677,7 @@
           <a:p>
             <a:fld id="{BB0E55E4-FF41-4EEB-857A-6ED74A2E8524}" type="datetimeFigureOut">
               <a:rPr lang="pt-PT" smtClean="0"/>
-              <a:t>03/12/2019</a:t>
+              <a:t>04/12/2019</a:t>
             </a:fld>
             <a:endParaRPr lang="pt-PT"/>
           </a:p>
@@ -16933,7 +16933,7 @@
           <a:p>
             <a:fld id="{BB0E55E4-FF41-4EEB-857A-6ED74A2E8524}" type="datetimeFigureOut">
               <a:rPr lang="pt-PT" smtClean="0"/>
-              <a:t>03/12/2019</a:t>
+              <a:t>04/12/2019</a:t>
             </a:fld>
             <a:endParaRPr lang="pt-PT"/>
           </a:p>
@@ -17455,6 +17455,36 @@
           </a:p>
         </p:txBody>
       </p:sp>
+      <p:pic>
+        <p:nvPicPr>
+          <p:cNvPr id="4" name="Imagem 3">
+            <a:extLst>
+              <a:ext uri="{FF2B5EF4-FFF2-40B4-BE49-F238E27FC236}">
+                <a16:creationId xmlns:a16="http://schemas.microsoft.com/office/drawing/2014/main" id="{DC88D6F7-42E5-4A01-8AE0-27AC97B5182D}"/>
+              </a:ext>
+            </a:extLst>
+          </p:cNvPr>
+          <p:cNvPicPr>
+            <a:picLocks noChangeAspect="1"/>
+          </p:cNvPicPr>
+          <p:nvPr/>
+        </p:nvPicPr>
+        <p:blipFill>
+          <a:blip r:embed="rId3"/>
+          <a:stretch>
+            <a:fillRect/>
+          </a:stretch>
+        </p:blipFill>
+        <p:spPr>
+          <a:xfrm>
+            <a:off x="-304799" y="-679569"/>
+            <a:ext cx="12496800" cy="8331200"/>
+          </a:xfrm>
+          <a:prstGeom prst="rect">
+            <a:avLst/>
+          </a:prstGeom>
+        </p:spPr>
+      </p:pic>
     </p:spTree>
     <p:extLst>
       <p:ext uri="{BB962C8B-B14F-4D97-AF65-F5344CB8AC3E}">
@@ -17547,15 +17577,15 @@
               <a:buNone/>
             </a:pPr>
             <a:r>
-              <a:rPr lang="en-US" dirty="0"/>
+              <a:rPr lang="en-US" cap="none" dirty="0"/>
               <a:t>Making host-</a:t>
             </a:r>
             <a:r>
-              <a:rPr lang="en-US" dirty="0" err="1"/>
+              <a:rPr lang="en-US" cap="none" dirty="0" err="1"/>
               <a:t>atendee</a:t>
             </a:r>
             <a:r>
-              <a:rPr lang="en-US" dirty="0"/>
+              <a:rPr lang="en-US" cap="none" dirty="0"/>
               <a:t> interaction simple.</a:t>
             </a:r>
           </a:p>
@@ -17563,25 +17593,25 @@
             <a:pPr marL="0" indent="0">
               <a:buNone/>
             </a:pPr>
-            <a:endParaRPr lang="en-US" dirty="0"/>
+            <a:endParaRPr lang="en-US" cap="none" dirty="0"/>
           </a:p>
           <a:p>
             <a:pPr marL="0" indent="0">
               <a:buNone/>
             </a:pPr>
-            <a:endParaRPr lang="pt-PT" dirty="0"/>
+            <a:endParaRPr lang="pt-PT" cap="none" dirty="0"/>
           </a:p>
           <a:p>
             <a:pPr marL="0" indent="0">
               <a:buNone/>
             </a:pPr>
-            <a:endParaRPr lang="pt-PT" dirty="0"/>
+            <a:endParaRPr lang="pt-PT" cap="none" dirty="0"/>
           </a:p>
           <a:p>
             <a:pPr marL="0" indent="0">
               <a:buNone/>
             </a:pPr>
-            <a:endParaRPr lang="en-US" dirty="0"/>
+            <a:endParaRPr lang="en-US" cap="none" dirty="0"/>
           </a:p>
         </p:txBody>
       </p:sp>
@@ -19397,6 +19427,100 @@
           </a:p>
         </p:txBody>
       </p:sp>
+      <p:pic>
+        <p:nvPicPr>
+          <p:cNvPr id="18" name="Picture 6" descr="Uma imagem com captura de ecrã&#10;&#10;Descrição gerada automaticamente">
+            <a:extLst>
+              <a:ext uri="{FF2B5EF4-FFF2-40B4-BE49-F238E27FC236}">
+                <a16:creationId xmlns:a16="http://schemas.microsoft.com/office/drawing/2014/main" id="{0A5A1E29-460C-4344-ADAF-41E810415528}"/>
+              </a:ext>
+            </a:extLst>
+          </p:cNvPr>
+          <p:cNvPicPr>
+            <a:picLocks noChangeAspect="1" noChangeArrowheads="1"/>
+          </p:cNvPicPr>
+          <p:nvPr/>
+        </p:nvPicPr>
+        <p:blipFill>
+          <a:blip r:embed="rId13">
+            <a:extLst>
+              <a:ext uri="{28A0092B-C50C-407E-A947-70E740481C1C}">
+                <a14:useLocalDpi xmlns:a14="http://schemas.microsoft.com/office/drawing/2010/main" val="0"/>
+              </a:ext>
+            </a:extLst>
+          </a:blip>
+          <a:srcRect/>
+          <a:stretch>
+            <a:fillRect/>
+          </a:stretch>
+        </p:blipFill>
+        <p:spPr bwMode="auto">
+          <a:xfrm>
+            <a:off x="734103" y="1437423"/>
+            <a:ext cx="2492089" cy="4430381"/>
+          </a:xfrm>
+          <a:prstGeom prst="rect">
+            <a:avLst/>
+          </a:prstGeom>
+          <a:noFill/>
+          <a:extLst>
+            <a:ext uri="{909E8E84-426E-40DD-AFC4-6F175D3DCCD1}">
+              <a14:hiddenFill xmlns:a14="http://schemas.microsoft.com/office/drawing/2010/main">
+                <a:solidFill>
+                  <a:srgbClr val="FFFFFF"/>
+                </a:solidFill>
+              </a14:hiddenFill>
+            </a:ext>
+          </a:extLst>
+        </p:spPr>
+      </p:pic>
+      <p:pic>
+        <p:nvPicPr>
+          <p:cNvPr id="19" name="Picture 8" descr="Uma imagem com captura de ecrã&#10;&#10;Descrição gerada automaticamente">
+            <a:extLst>
+              <a:ext uri="{FF2B5EF4-FFF2-40B4-BE49-F238E27FC236}">
+                <a16:creationId xmlns:a16="http://schemas.microsoft.com/office/drawing/2014/main" id="{9C18044E-CB59-4694-8048-8DF88D747267}"/>
+              </a:ext>
+            </a:extLst>
+          </p:cNvPr>
+          <p:cNvPicPr>
+            <a:picLocks noChangeAspect="1" noChangeArrowheads="1"/>
+          </p:cNvPicPr>
+          <p:nvPr/>
+        </p:nvPicPr>
+        <p:blipFill>
+          <a:blip r:embed="rId14">
+            <a:extLst>
+              <a:ext uri="{28A0092B-C50C-407E-A947-70E740481C1C}">
+                <a14:useLocalDpi xmlns:a14="http://schemas.microsoft.com/office/drawing/2010/main" val="0"/>
+              </a:ext>
+            </a:extLst>
+          </a:blip>
+          <a:srcRect/>
+          <a:stretch>
+            <a:fillRect/>
+          </a:stretch>
+        </p:blipFill>
+        <p:spPr bwMode="auto">
+          <a:xfrm>
+            <a:off x="8966267" y="1467596"/>
+            <a:ext cx="2483374" cy="4414887"/>
+          </a:xfrm>
+          <a:prstGeom prst="rect">
+            <a:avLst/>
+          </a:prstGeom>
+          <a:noFill/>
+          <a:extLst>
+            <a:ext uri="{909E8E84-426E-40DD-AFC4-6F175D3DCCD1}">
+              <a14:hiddenFill xmlns:a14="http://schemas.microsoft.com/office/drawing/2010/main">
+                <a:solidFill>
+                  <a:srgbClr val="FFFFFF"/>
+                </a:solidFill>
+              </a14:hiddenFill>
+            </a:ext>
+          </a:extLst>
+        </p:spPr>
+      </p:pic>
     </p:spTree>
     <p:extLst>
       <p:ext uri="{BB962C8B-B14F-4D97-AF65-F5344CB8AC3E}">
@@ -19863,7 +19987,19 @@
           <a:bodyPr/>
           <a:lstStyle/>
           <a:p>
-            <a:endParaRPr lang="pt-PT" dirty="0"/>
+            <a:endParaRPr lang="pt-PT" dirty="0">
+              <a:ln w="0"/>
+              <a:solidFill>
+                <a:schemeClr val="accent1"/>
+              </a:solidFill>
+              <a:effectLst>
+                <a:outerShdw blurRad="38100" dist="25400" dir="5400000" algn="ctr" rotWithShape="0">
+                  <a:srgbClr val="6E747A">
+                    <a:alpha val="43000"/>
+                  </a:srgbClr>
+                </a:outerShdw>
+              </a:effectLst>
+            </a:endParaRPr>
           </a:p>
         </p:txBody>
       </p:sp>
@@ -22140,10 +22276,57 @@
           <a:bodyPr/>
           <a:lstStyle/>
           <a:p>
-            <a:pPr marL="0" indent="0">
+            <a:pPr marL="0" indent="0" algn="ctr">
               <a:buNone/>
             </a:pPr>
-            <a:endParaRPr lang="pt-PT" dirty="0"/>
+            <a:r>
+              <a:rPr lang="pt-PT" cap="none" dirty="0" err="1"/>
+              <a:t>Coming</a:t>
+            </a:r>
+            <a:r>
+              <a:rPr lang="pt-PT" cap="none" dirty="0"/>
+              <a:t> to </a:t>
+            </a:r>
+            <a:r>
+              <a:rPr lang="pt-PT" cap="none" dirty="0" err="1"/>
+              <a:t>you</a:t>
+            </a:r>
+            <a:r>
+              <a:rPr lang="pt-PT" cap="none" dirty="0"/>
+              <a:t> </a:t>
+            </a:r>
+            <a:r>
+              <a:rPr lang="pt-PT" cap="none" dirty="0" err="1"/>
+              <a:t>soon</a:t>
+            </a:r>
+            <a:r>
+              <a:rPr lang="pt-PT" cap="none" dirty="0"/>
+              <a:t> </a:t>
+            </a:r>
+            <a:r>
+              <a:rPr lang="pt-PT" cap="none" dirty="0" err="1"/>
+              <a:t>on</a:t>
+            </a:r>
+            <a:r>
+              <a:rPr lang="pt-PT" cap="none" dirty="0"/>
+              <a:t> </a:t>
+            </a:r>
+            <a:r>
+              <a:rPr lang="pt-PT" cap="none" dirty="0" err="1"/>
+              <a:t>both</a:t>
+            </a:r>
+            <a:r>
+              <a:rPr lang="pt-PT" cap="none" dirty="0"/>
+              <a:t> android </a:t>
+            </a:r>
+            <a:r>
+              <a:rPr lang="pt-PT" cap="none" dirty="0" err="1"/>
+              <a:t>and</a:t>
+            </a:r>
+            <a:r>
+              <a:rPr lang="pt-PT" cap="none" dirty="0"/>
+              <a:t> iOS</a:t>
+            </a:r>
           </a:p>
         </p:txBody>
       </p:sp>
